--- a/Transformers/blog_resources/graphics/dot_product.pptx
+++ b/Transformers/blog_resources/graphics/dot_product.pptx
@@ -272,7 +272,7 @@
           <a:p>
             <a:fld id="{E48AC347-0EC7-4C3F-9879-3FBC2532D114}" type="datetimeFigureOut">
               <a:rPr lang="en-GB" smtClean="0"/>
-              <a:t>18/08/2021</a:t>
+              <a:t>23/08/2021</a:t>
             </a:fld>
             <a:endParaRPr lang="en-GB"/>
           </a:p>
@@ -472,7 +472,7 @@
           <a:p>
             <a:fld id="{E48AC347-0EC7-4C3F-9879-3FBC2532D114}" type="datetimeFigureOut">
               <a:rPr lang="en-GB" smtClean="0"/>
-              <a:t>18/08/2021</a:t>
+              <a:t>23/08/2021</a:t>
             </a:fld>
             <a:endParaRPr lang="en-GB"/>
           </a:p>
@@ -682,7 +682,7 @@
           <a:p>
             <a:fld id="{E48AC347-0EC7-4C3F-9879-3FBC2532D114}" type="datetimeFigureOut">
               <a:rPr lang="en-GB" smtClean="0"/>
-              <a:t>18/08/2021</a:t>
+              <a:t>23/08/2021</a:t>
             </a:fld>
             <a:endParaRPr lang="en-GB"/>
           </a:p>
@@ -882,7 +882,7 @@
           <a:p>
             <a:fld id="{E48AC347-0EC7-4C3F-9879-3FBC2532D114}" type="datetimeFigureOut">
               <a:rPr lang="en-GB" smtClean="0"/>
-              <a:t>18/08/2021</a:t>
+              <a:t>23/08/2021</a:t>
             </a:fld>
             <a:endParaRPr lang="en-GB"/>
           </a:p>
@@ -1158,7 +1158,7 @@
           <a:p>
             <a:fld id="{E48AC347-0EC7-4C3F-9879-3FBC2532D114}" type="datetimeFigureOut">
               <a:rPr lang="en-GB" smtClean="0"/>
-              <a:t>18/08/2021</a:t>
+              <a:t>23/08/2021</a:t>
             </a:fld>
             <a:endParaRPr lang="en-GB"/>
           </a:p>
@@ -1426,7 +1426,7 @@
           <a:p>
             <a:fld id="{E48AC347-0EC7-4C3F-9879-3FBC2532D114}" type="datetimeFigureOut">
               <a:rPr lang="en-GB" smtClean="0"/>
-              <a:t>18/08/2021</a:t>
+              <a:t>23/08/2021</a:t>
             </a:fld>
             <a:endParaRPr lang="en-GB"/>
           </a:p>
@@ -1841,7 +1841,7 @@
           <a:p>
             <a:fld id="{E48AC347-0EC7-4C3F-9879-3FBC2532D114}" type="datetimeFigureOut">
               <a:rPr lang="en-GB" smtClean="0"/>
-              <a:t>18/08/2021</a:t>
+              <a:t>23/08/2021</a:t>
             </a:fld>
             <a:endParaRPr lang="en-GB"/>
           </a:p>
@@ -1983,7 +1983,7 @@
           <a:p>
             <a:fld id="{E48AC347-0EC7-4C3F-9879-3FBC2532D114}" type="datetimeFigureOut">
               <a:rPr lang="en-GB" smtClean="0"/>
-              <a:t>18/08/2021</a:t>
+              <a:t>23/08/2021</a:t>
             </a:fld>
             <a:endParaRPr lang="en-GB"/>
           </a:p>
@@ -2096,7 +2096,7 @@
           <a:p>
             <a:fld id="{E48AC347-0EC7-4C3F-9879-3FBC2532D114}" type="datetimeFigureOut">
               <a:rPr lang="en-GB" smtClean="0"/>
-              <a:t>18/08/2021</a:t>
+              <a:t>23/08/2021</a:t>
             </a:fld>
             <a:endParaRPr lang="en-GB"/>
           </a:p>
@@ -2409,7 +2409,7 @@
           <a:p>
             <a:fld id="{E48AC347-0EC7-4C3F-9879-3FBC2532D114}" type="datetimeFigureOut">
               <a:rPr lang="en-GB" smtClean="0"/>
-              <a:t>18/08/2021</a:t>
+              <a:t>23/08/2021</a:t>
             </a:fld>
             <a:endParaRPr lang="en-GB"/>
           </a:p>
@@ -2698,7 +2698,7 @@
           <a:p>
             <a:fld id="{E48AC347-0EC7-4C3F-9879-3FBC2532D114}" type="datetimeFigureOut">
               <a:rPr lang="en-GB" smtClean="0"/>
-              <a:t>18/08/2021</a:t>
+              <a:t>23/08/2021</a:t>
             </a:fld>
             <a:endParaRPr lang="en-GB"/>
           </a:p>
@@ -2941,7 +2941,7 @@
           <a:p>
             <a:fld id="{E48AC347-0EC7-4C3F-9879-3FBC2532D114}" type="datetimeFigureOut">
               <a:rPr lang="en-GB" smtClean="0"/>
-              <a:t>18/08/2021</a:t>
+              <a:t>23/08/2021</a:t>
             </a:fld>
             <a:endParaRPr lang="en-GB"/>
           </a:p>
@@ -3385,7 +3385,7 @@
         </p:blipFill>
         <p:spPr>
           <a:xfrm>
-            <a:off x="81452" y="319756"/>
+            <a:off x="79603" y="139195"/>
             <a:ext cx="7155099" cy="5470525"/>
           </a:xfrm>
           <a:prstGeom prst="rect">
@@ -3407,10 +3407,10 @@
         </p:nvGrpSpPr>
         <p:grpSpPr>
           <a:xfrm>
-            <a:off x="7409909" y="1107926"/>
-            <a:ext cx="3541553" cy="2593832"/>
+            <a:off x="7065606" y="966692"/>
+            <a:ext cx="4402476" cy="3055497"/>
             <a:chOff x="7027387" y="319756"/>
-            <a:chExt cx="3541553" cy="2593832"/>
+            <a:chExt cx="3541553" cy="3055497"/>
           </a:xfrm>
         </p:grpSpPr>
         <p:pic>
@@ -3467,9 +3467,9 @@
           <p:grpSpPr>
             <a:xfrm>
               <a:off x="7027387" y="319756"/>
-              <a:ext cx="3541553" cy="2593832"/>
+              <a:ext cx="3541553" cy="3055497"/>
               <a:chOff x="7027387" y="319756"/>
-              <a:chExt cx="3541553" cy="2593832"/>
+              <a:chExt cx="3541553" cy="3055497"/>
             </a:xfrm>
           </p:grpSpPr>
           <p:grpSp>
@@ -3487,9 +3487,9 @@
             <p:grpSpPr>
               <a:xfrm>
                 <a:off x="7027387" y="319756"/>
-                <a:ext cx="3541553" cy="2593832"/>
+                <a:ext cx="3541553" cy="3055497"/>
                 <a:chOff x="7027387" y="319756"/>
-                <a:chExt cx="3541553" cy="2593832"/>
+                <a:chExt cx="3541553" cy="3055497"/>
               </a:xfrm>
             </p:grpSpPr>
             <p:grpSp>
@@ -3743,7 +3743,7 @@
               <p:spPr>
                 <a:xfrm>
                   <a:off x="7027387" y="2451923"/>
-                  <a:ext cx="3541553" cy="461665"/>
+                  <a:ext cx="3541553" cy="923330"/>
                 </a:xfrm>
                 <a:prstGeom prst="rect">
                   <a:avLst/>
@@ -3758,7 +3758,7 @@
                 <a:p>
                   <a:pPr algn="just"/>
                   <a:r>
-                    <a:rPr lang="en-US" sz="1200" dirty="0">
+                    <a:rPr lang="en-US" dirty="0">
                       <a:solidFill>
                         <a:srgbClr val="0000FF"/>
                       </a:solidFill>
@@ -3766,7 +3766,7 @@
                     </a:rPr>
                     <a:t>Large angle of separation, cos(0) is less, so dot product value is less</a:t>
                   </a:r>
-                  <a:endParaRPr lang="en-GB" sz="1200" dirty="0">
+                  <a:endParaRPr lang="en-GB" dirty="0">
                     <a:solidFill>
                       <a:srgbClr val="0000FF"/>
                     </a:solidFill>
@@ -3833,10 +3833,10 @@
         </p:nvGrpSpPr>
         <p:grpSpPr>
           <a:xfrm>
-            <a:off x="7918450" y="4067998"/>
-            <a:ext cx="3541553" cy="1758276"/>
-            <a:chOff x="7943850" y="3429000"/>
-            <a:chExt cx="3541553" cy="1758276"/>
+            <a:off x="7110711" y="3981842"/>
+            <a:ext cx="4402281" cy="2551353"/>
+            <a:chOff x="7516310" y="3429000"/>
+            <a:chExt cx="4231530" cy="2219941"/>
           </a:xfrm>
         </p:grpSpPr>
         <p:pic>
@@ -3892,10 +3892,10 @@
           </p:nvGrpSpPr>
           <p:grpSpPr>
             <a:xfrm>
-              <a:off x="7943850" y="3429000"/>
-              <a:ext cx="3541553" cy="1758276"/>
-              <a:chOff x="7943850" y="3429000"/>
-              <a:chExt cx="3541553" cy="1758276"/>
+              <a:off x="7516310" y="3429000"/>
+              <a:ext cx="4231530" cy="2219941"/>
+              <a:chOff x="7516310" y="3429000"/>
+              <a:chExt cx="4231530" cy="2219941"/>
             </a:xfrm>
           </p:grpSpPr>
           <p:grpSp>
@@ -4069,10 +4069,10 @@
             </p:nvGrpSpPr>
             <p:grpSpPr>
               <a:xfrm>
-                <a:off x="7943850" y="3542870"/>
-                <a:ext cx="3541553" cy="1644406"/>
-                <a:chOff x="7943850" y="3542870"/>
-                <a:chExt cx="3541553" cy="1644406"/>
+                <a:off x="7516310" y="3542870"/>
+                <a:ext cx="4231530" cy="2106071"/>
+                <a:chOff x="7516310" y="3542870"/>
+                <a:chExt cx="4231530" cy="2106071"/>
               </a:xfrm>
             </p:grpSpPr>
             <p:pic>
@@ -4128,8 +4128,8 @@
               </p:nvSpPr>
               <p:spPr>
                 <a:xfrm>
-                  <a:off x="7943850" y="4725611"/>
-                  <a:ext cx="3541553" cy="461665"/>
+                  <a:off x="7516310" y="4725611"/>
+                  <a:ext cx="4231530" cy="923330"/>
                 </a:xfrm>
                 <a:prstGeom prst="rect">
                   <a:avLst/>
@@ -4144,7 +4144,7 @@
                 <a:p>
                   <a:pPr algn="just"/>
                   <a:r>
-                    <a:rPr lang="en-US" sz="1200" dirty="0">
+                    <a:rPr lang="en-US" dirty="0">
                       <a:solidFill>
                         <a:srgbClr val="0000FF"/>
                       </a:solidFill>
@@ -4152,7 +4152,7 @@
                     </a:rPr>
                     <a:t>Less angle of separation, cos(0) is high, so dot product value is more</a:t>
                   </a:r>
-                  <a:endParaRPr lang="en-GB" sz="1200" dirty="0">
+                  <a:endParaRPr lang="en-GB" dirty="0">
                     <a:solidFill>
                       <a:srgbClr val="0000FF"/>
                     </a:solidFill>
@@ -4275,8 +4275,8 @@
         </p:blipFill>
         <p:spPr>
           <a:xfrm>
-            <a:off x="6576383" y="613858"/>
-            <a:ext cx="4883620" cy="358797"/>
+            <a:off x="6511979" y="461643"/>
+            <a:ext cx="5001014" cy="358797"/>
           </a:xfrm>
           <a:prstGeom prst="rect">
             <a:avLst/>
